--- a/ML Workflow.pptx
+++ b/ML Workflow.pptx
@@ -117,18 +117,18 @@
   <pc:docChgLst>
     <pc:chgData name="Chong, Nger Ling" userId="c51477ab-6967-41b7-bd42-9a3b2de2bf48" providerId="ADAL" clId="{661BD97C-D5FE-48E8-B146-4387970A35CC}"/>
     <pc:docChg chg="modSld">
-      <pc:chgData name="Chong, Nger Ling" userId="c51477ab-6967-41b7-bd42-9a3b2de2bf48" providerId="ADAL" clId="{661BD97C-D5FE-48E8-B146-4387970A35CC}" dt="2021-11-26T01:56:04.927" v="119" actId="20577"/>
+      <pc:chgData name="Chong, Nger Ling" userId="c51477ab-6967-41b7-bd42-9a3b2de2bf48" providerId="ADAL" clId="{661BD97C-D5FE-48E8-B146-4387970A35CC}" dt="2021-11-26T08:32:26.356" v="196" actId="1076"/>
       <pc:docMkLst>
         <pc:docMk/>
       </pc:docMkLst>
       <pc:sldChg chg="modSp mod">
-        <pc:chgData name="Chong, Nger Ling" userId="c51477ab-6967-41b7-bd42-9a3b2de2bf48" providerId="ADAL" clId="{661BD97C-D5FE-48E8-B146-4387970A35CC}" dt="2021-11-26T01:56:04.927" v="119" actId="20577"/>
+        <pc:chgData name="Chong, Nger Ling" userId="c51477ab-6967-41b7-bd42-9a3b2de2bf48" providerId="ADAL" clId="{661BD97C-D5FE-48E8-B146-4387970A35CC}" dt="2021-11-26T08:32:26.356" v="196" actId="1076"/>
         <pc:sldMkLst>
           <pc:docMk/>
           <pc:sldMk cId="1128558066" sldId="256"/>
         </pc:sldMkLst>
         <pc:spChg chg="mod">
-          <ac:chgData name="Chong, Nger Ling" userId="c51477ab-6967-41b7-bd42-9a3b2de2bf48" providerId="ADAL" clId="{661BD97C-D5FE-48E8-B146-4387970A35CC}" dt="2021-11-26T01:56:04.927" v="119" actId="20577"/>
+          <ac:chgData name="Chong, Nger Ling" userId="c51477ab-6967-41b7-bd42-9a3b2de2bf48" providerId="ADAL" clId="{661BD97C-D5FE-48E8-B146-4387970A35CC}" dt="2021-11-26T08:30:05.875" v="189" actId="6549"/>
           <ac:spMkLst>
             <pc:docMk/>
             <pc:sldMk cId="1128558066" sldId="256"/>
@@ -136,11 +136,75 @@
           </ac:spMkLst>
         </pc:spChg>
         <pc:spChg chg="mod">
-          <ac:chgData name="Chong, Nger Ling" userId="c51477ab-6967-41b7-bd42-9a3b2de2bf48" providerId="ADAL" clId="{661BD97C-D5FE-48E8-B146-4387970A35CC}" dt="2021-11-25T08:24:02.867" v="79" actId="20577"/>
+          <ac:chgData name="Chong, Nger Ling" userId="c51477ab-6967-41b7-bd42-9a3b2de2bf48" providerId="ADAL" clId="{661BD97C-D5FE-48E8-B146-4387970A35CC}" dt="2021-11-26T08:32:17.185" v="194" actId="1076"/>
+          <ac:spMkLst>
+            <pc:docMk/>
+            <pc:sldMk cId="1128558066" sldId="256"/>
+            <ac:spMk id="5" creationId="{D28DF6C5-1538-4C40-AED9-E2C9B4DA0F55}"/>
+          </ac:spMkLst>
+        </pc:spChg>
+        <pc:spChg chg="mod">
+          <ac:chgData name="Chong, Nger Ling" userId="c51477ab-6967-41b7-bd42-9a3b2de2bf48" providerId="ADAL" clId="{661BD97C-D5FE-48E8-B146-4387970A35CC}" dt="2021-11-26T08:13:44.676" v="143" actId="122"/>
+          <ac:spMkLst>
+            <pc:docMk/>
+            <pc:sldMk cId="1128558066" sldId="256"/>
+            <ac:spMk id="6" creationId="{D5282910-D12A-49B5-9313-A1C676198FE6}"/>
+          </ac:spMkLst>
+        </pc:spChg>
+        <pc:spChg chg="mod">
+          <ac:chgData name="Chong, Nger Ling" userId="c51477ab-6967-41b7-bd42-9a3b2de2bf48" providerId="ADAL" clId="{661BD97C-D5FE-48E8-B146-4387970A35CC}" dt="2021-11-26T08:32:12.707" v="193" actId="1076"/>
+          <ac:spMkLst>
+            <pc:docMk/>
+            <pc:sldMk cId="1128558066" sldId="256"/>
+            <ac:spMk id="7" creationId="{C17BC3FA-BB61-492B-A1C9-3C37E0D10559}"/>
+          </ac:spMkLst>
+        </pc:spChg>
+        <pc:spChg chg="mod">
+          <ac:chgData name="Chong, Nger Ling" userId="c51477ab-6967-41b7-bd42-9a3b2de2bf48" providerId="ADAL" clId="{661BD97C-D5FE-48E8-B146-4387970A35CC}" dt="2021-11-26T08:32:26.356" v="196" actId="1076"/>
+          <ac:spMkLst>
+            <pc:docMk/>
+            <pc:sldMk cId="1128558066" sldId="256"/>
+            <ac:spMk id="8" creationId="{17EA9FC3-FA67-4B93-A6B3-F69CCD85F086}"/>
+          </ac:spMkLst>
+        </pc:spChg>
+        <pc:spChg chg="mod">
+          <ac:chgData name="Chong, Nger Ling" userId="c51477ab-6967-41b7-bd42-9a3b2de2bf48" providerId="ADAL" clId="{661BD97C-D5FE-48E8-B146-4387970A35CC}" dt="2021-11-26T08:32:20.456" v="195" actId="1076"/>
+          <ac:spMkLst>
+            <pc:docMk/>
+            <pc:sldMk cId="1128558066" sldId="256"/>
+            <ac:spMk id="9" creationId="{DF48A175-7338-4D2E-936C-D3F4FD51F494}"/>
+          </ac:spMkLst>
+        </pc:spChg>
+        <pc:spChg chg="mod">
+          <ac:chgData name="Chong, Nger Ling" userId="c51477ab-6967-41b7-bd42-9a3b2de2bf48" providerId="ADAL" clId="{661BD97C-D5FE-48E8-B146-4387970A35CC}" dt="2021-11-26T08:13:40.226" v="142" actId="122"/>
+          <ac:spMkLst>
+            <pc:docMk/>
+            <pc:sldMk cId="1128558066" sldId="256"/>
+            <ac:spMk id="10" creationId="{99989945-D411-42BE-9488-3A40724145DF}"/>
+          </ac:spMkLst>
+        </pc:spChg>
+        <pc:spChg chg="mod">
+          <ac:chgData name="Chong, Nger Ling" userId="c51477ab-6967-41b7-bd42-9a3b2de2bf48" providerId="ADAL" clId="{661BD97C-D5FE-48E8-B146-4387970A35CC}" dt="2021-11-26T08:13:14.796" v="141" actId="14100"/>
+          <ac:spMkLst>
+            <pc:docMk/>
+            <pc:sldMk cId="1128558066" sldId="256"/>
+            <ac:spMk id="12" creationId="{61675281-FCA7-4EFC-90C7-8CD7A791DB40}"/>
+          </ac:spMkLst>
+        </pc:spChg>
+        <pc:spChg chg="mod">
+          <ac:chgData name="Chong, Nger Ling" userId="c51477ab-6967-41b7-bd42-9a3b2de2bf48" providerId="ADAL" clId="{661BD97C-D5FE-48E8-B146-4387970A35CC}" dt="2021-11-26T08:19:15.518" v="151" actId="1076"/>
           <ac:spMkLst>
             <pc:docMk/>
             <pc:sldMk cId="1128558066" sldId="256"/>
             <ac:spMk id="13" creationId="{60022621-300B-4EB0-B3D5-81C413A10FC1}"/>
+          </ac:spMkLst>
+        </pc:spChg>
+        <pc:spChg chg="mod">
+          <ac:chgData name="Chong, Nger Ling" userId="c51477ab-6967-41b7-bd42-9a3b2de2bf48" providerId="ADAL" clId="{661BD97C-D5FE-48E8-B146-4387970A35CC}" dt="2021-11-26T08:32:09.903" v="192" actId="1076"/>
+          <ac:spMkLst>
+            <pc:docMk/>
+            <pc:sldMk cId="1128558066" sldId="256"/>
+            <ac:spMk id="14" creationId="{E6F77944-FAB3-45CE-841F-E1C0B9FC2832}"/>
           </ac:spMkLst>
         </pc:spChg>
       </pc:sldChg>
@@ -3405,9 +3469,9 @@
             <a:avLst/>
           </a:prstGeom>
           <a:solidFill>
-            <a:schemeClr val="accent4">
-              <a:lumMod val="40000"/>
-              <a:lumOff val="60000"/>
+            <a:schemeClr val="accent1">
+              <a:lumMod val="20000"/>
+              <a:lumOff val="80000"/>
             </a:schemeClr>
           </a:solidFill>
           <a:ln>
@@ -3451,28 +3515,22 @@
                   <a:schemeClr val="tx1"/>
                 </a:solidFill>
               </a:rPr>
-              <a:t>Data Preparation </a:t>
-            </a:r>
-          </a:p>
-          <a:p>
+              <a:t>Data Preparation</a:t>
+            </a:r>
+          </a:p>
+          <a:p>
+            <a:pPr algn="ctr"/>
             <a:r>
               <a:rPr lang="en-US" sz="1600" dirty="0">
                 <a:solidFill>
                   <a:schemeClr val="tx1"/>
                 </a:solidFill>
               </a:rPr>
-              <a:t>a) NA handling (NA removal</a:t>
-            </a:r>
-            <a:r>
-              <a:rPr lang="en-US" sz="1600">
-                <a:solidFill>
-                  <a:schemeClr val="tx1"/>
-                </a:solidFill>
-              </a:rPr>
-              <a:t>/imputation) </a:t>
-            </a:r>
-          </a:p>
-          <a:p>
+              <a:t>a) NA handling (NA removal/imputation) </a:t>
+            </a:r>
+          </a:p>
+          <a:p>
+            <a:pPr algn="ctr"/>
             <a:r>
               <a:rPr lang="en-US" sz="1600" dirty="0">
                 <a:solidFill>
@@ -3483,6 +3541,7 @@
             </a:r>
           </a:p>
           <a:p>
+            <a:pPr algn="ctr"/>
             <a:r>
               <a:rPr lang="en-US" sz="1600" dirty="0">
                 <a:solidFill>
@@ -3493,6 +3552,18 @@
             </a:r>
           </a:p>
           <a:p>
+            <a:pPr algn="ctr"/>
+            <a:r>
+              <a:rPr lang="en-US" sz="1600" dirty="0">
+                <a:solidFill>
+                  <a:schemeClr val="tx1"/>
+                </a:solidFill>
+              </a:rPr>
+              <a:t>d) Modularization if needed</a:t>
+            </a:r>
+          </a:p>
+          <a:p>
+            <a:pPr algn="ctr"/>
             <a:r>
               <a:rPr lang="en-US" sz="1600" dirty="0">
                 <a:solidFill>
@@ -3529,7 +3600,7 @@
         </p:nvSpPr>
         <p:spPr>
           <a:xfrm>
-            <a:off x="3461865" y="1859613"/>
+            <a:off x="3466372" y="1780813"/>
             <a:ext cx="470377" cy="371475"/>
           </a:xfrm>
           <a:prstGeom prst="rightArrow">
@@ -3578,7 +3649,7 @@
         </p:nvSpPr>
         <p:spPr>
           <a:xfrm>
-            <a:off x="4047996" y="1117711"/>
+            <a:off x="4013161" y="1117709"/>
             <a:ext cx="2408629" cy="1596349"/>
           </a:xfrm>
           <a:prstGeom prst="rect">
@@ -3635,6 +3706,7 @@
             </a:r>
           </a:p>
           <a:p>
+            <a:pPr algn="ctr"/>
             <a:r>
               <a:rPr lang="en-US" sz="1400" dirty="0">
                 <a:solidFill>
@@ -3645,6 +3717,7 @@
             </a:r>
           </a:p>
           <a:p>
+            <a:pPr algn="ctr"/>
             <a:r>
               <a:rPr lang="en-US" sz="1400" dirty="0">
                 <a:solidFill>
@@ -3678,7 +3751,7 @@
         </p:nvSpPr>
         <p:spPr>
           <a:xfrm>
-            <a:off x="6526910" y="1673875"/>
+            <a:off x="6575989" y="1770387"/>
             <a:ext cx="611858" cy="371475"/>
           </a:xfrm>
           <a:prstGeom prst="rightArrow">
@@ -3727,14 +3800,14 @@
         </p:nvSpPr>
         <p:spPr>
           <a:xfrm>
-            <a:off x="5599090" y="3106662"/>
-            <a:ext cx="2426047" cy="1628540"/>
+            <a:off x="5458906" y="3085533"/>
+            <a:ext cx="2695491" cy="1596349"/>
           </a:xfrm>
           <a:prstGeom prst="rect">
             <a:avLst/>
           </a:prstGeom>
           <a:solidFill>
-            <a:schemeClr val="tx2">
+            <a:schemeClr val="accent3">
               <a:lumMod val="20000"/>
               <a:lumOff val="80000"/>
             </a:schemeClr>
@@ -3781,6 +3854,7 @@
             </a:endParaRPr>
           </a:p>
           <a:p>
+            <a:pPr algn="ctr"/>
             <a:r>
               <a:rPr lang="en-US" sz="1400" b="1" dirty="0">
                 <a:solidFill>
@@ -3791,39 +3865,49 @@
             </a:r>
           </a:p>
           <a:p>
+            <a:pPr algn="ctr"/>
+            <a:r>
+              <a:rPr lang="en-US" sz="1400" dirty="0">
+                <a:solidFill>
+                  <a:schemeClr val="tx1"/>
+                </a:solidFill>
+              </a:rPr>
+              <a:t>a)Non-synthetic: random oversampling/random </a:t>
+            </a:r>
+            <a:r>
+              <a:rPr lang="en-US" sz="1400" dirty="0" err="1">
+                <a:solidFill>
+                  <a:schemeClr val="tx1"/>
+                </a:solidFill>
+              </a:rPr>
+              <a:t>undersampling</a:t>
+            </a:r>
+            <a:r>
+              <a:rPr lang="en-US" sz="1400" dirty="0">
+                <a:solidFill>
+                  <a:schemeClr val="tx1"/>
+                </a:solidFill>
+              </a:rPr>
+              <a:t>/COU</a:t>
+            </a:r>
+          </a:p>
+          <a:p>
+            <a:pPr algn="ctr"/>
+            <a:r>
+              <a:rPr lang="en-US" sz="1400" dirty="0">
+                <a:solidFill>
+                  <a:schemeClr val="tx1"/>
+                </a:solidFill>
+              </a:rPr>
+              <a:t>b) Synthetic data: SMOTE, Borderline SMOTE, etc</a:t>
+            </a:r>
             <a:r>
               <a:rPr lang="en-US" sz="1400" b="1" dirty="0">
                 <a:solidFill>
                   <a:schemeClr val="tx1"/>
                 </a:solidFill>
               </a:rPr>
-              <a:t>a)Non-synthetic: random oversampling/random </a:t>
-            </a:r>
-            <a:r>
-              <a:rPr lang="en-US" sz="1400" b="1" dirty="0" err="1">
-                <a:solidFill>
-                  <a:schemeClr val="tx1"/>
-                </a:solidFill>
-              </a:rPr>
-              <a:t>undersampling</a:t>
-            </a:r>
-            <a:r>
-              <a:rPr lang="en-US" sz="1400" b="1" dirty="0">
-                <a:solidFill>
-                  <a:schemeClr val="tx1"/>
-                </a:solidFill>
-              </a:rPr>
-              <a:t>/COU</a:t>
-            </a:r>
-          </a:p>
-          <a:p>
-            <a:r>
-              <a:rPr lang="en-US" sz="1400" b="1" dirty="0">
-                <a:solidFill>
-                  <a:schemeClr val="tx1"/>
-                </a:solidFill>
-              </a:rPr>
-              <a:t>b) Synthetic data: SMOTE, Borderline SMOTE, etc.</a:t>
+              <a:t>.</a:t>
             </a:r>
           </a:p>
           <a:p>
@@ -3858,7 +3942,7 @@
         </p:nvSpPr>
         <p:spPr>
           <a:xfrm>
-            <a:off x="9883993" y="1730147"/>
+            <a:off x="9913323" y="1730144"/>
             <a:ext cx="431717" cy="371475"/>
           </a:xfrm>
           <a:prstGeom prst="rightArrow">
@@ -3914,9 +3998,9 @@
             <a:avLst/>
           </a:prstGeom>
           <a:solidFill>
-            <a:schemeClr val="accent4">
-              <a:lumMod val="40000"/>
-              <a:lumOff val="60000"/>
+            <a:schemeClr val="accent1">
+              <a:lumMod val="20000"/>
+              <a:lumOff val="80000"/>
             </a:schemeClr>
           </a:solidFill>
           <a:ln>
@@ -3972,6 +4056,7 @@
             </a:r>
           </a:p>
           <a:p>
+            <a:pPr algn="ctr"/>
             <a:r>
               <a:rPr lang="en-US" sz="1200" dirty="0">
                 <a:solidFill>
@@ -4022,6 +4107,7 @@
             </a:r>
           </a:p>
           <a:p>
+            <a:pPr algn="ctr"/>
             <a:r>
               <a:rPr lang="en-US" sz="1400" dirty="0">
                 <a:solidFill>
@@ -4064,7 +4150,7 @@
         <p:spPr>
           <a:xfrm>
             <a:off x="418010" y="235132"/>
-            <a:ext cx="3666309" cy="400110"/>
+            <a:ext cx="5826036" cy="523220"/>
           </a:xfrm>
           <a:prstGeom prst="rect">
             <a:avLst/>
@@ -4078,10 +4164,10 @@
           <a:lstStyle/>
           <a:p>
             <a:r>
-              <a:rPr lang="en-US" sz="2000" b="1" u="sng" dirty="0"/>
+              <a:rPr lang="en-US" sz="2800" b="1" u="sng" dirty="0"/>
               <a:t>ML Workflow – High Level Plan</a:t>
             </a:r>
-            <a:endParaRPr lang="en-MY" sz="2000" b="1" u="sng" dirty="0"/>
+            <a:endParaRPr lang="en-MY" sz="2800" b="1" u="sng" dirty="0"/>
           </a:p>
         </p:txBody>
       </p:sp>
@@ -4099,7 +4185,7 @@
         </p:nvSpPr>
         <p:spPr>
           <a:xfrm>
-            <a:off x="10513237" y="1190761"/>
+            <a:off x="10384604" y="1061294"/>
             <a:ext cx="1575909" cy="1709177"/>
           </a:xfrm>
           <a:prstGeom prst="rect">
@@ -4190,18 +4276,20 @@
         </p:nvSpPr>
         <p:spPr>
           <a:xfrm rot="16200000">
-            <a:off x="6367949" y="2368256"/>
+            <a:off x="6362487" y="2400291"/>
             <a:ext cx="888331" cy="371475"/>
           </a:xfrm>
           <a:prstGeom prst="rightArrow">
             <a:avLst/>
           </a:prstGeom>
           <a:solidFill>
-            <a:schemeClr val="accent2">
-              <a:lumMod val="20000"/>
-              <a:lumOff val="80000"/>
-            </a:schemeClr>
+            <a:schemeClr val="accent3"/>
           </a:solidFill>
+          <a:ln>
+            <a:solidFill>
+              <a:schemeClr val="tx1"/>
+            </a:solidFill>
+          </a:ln>
         </p:spPr>
         <p:style>
           <a:lnRef idx="2">

--- a/ML Workflow.pptx
+++ b/ML Workflow.pptx
@@ -112,23 +112,39 @@
 </p:presentation>
 </file>
 
+<file path=ppt/revisionInfo.xml><?xml version="1.0" encoding="utf-8"?>
+<p1510:revInfo xmlns:a="http://schemas.openxmlformats.org/drawingml/2006/main" xmlns:r="http://schemas.openxmlformats.org/officeDocument/2006/relationships" xmlns:p1510="http://schemas.microsoft.com/office/powerpoint/2015/10/main">
+  <p1510:revLst>
+    <p1510:client id="{661BD97C-D5FE-48E8-B146-4387970A35CC}" v="4" dt="2021-11-29T03:52:28.297"/>
+  </p1510:revLst>
+</p1510:revInfo>
+</file>
+
 <file path=ppt/changesInfos/changesInfo1.xml><?xml version="1.0" encoding="utf-8"?>
 <pc:chgInfo xmlns:a="http://schemas.openxmlformats.org/drawingml/2006/main" xmlns:r="http://schemas.openxmlformats.org/officeDocument/2006/relationships" xmlns:ac="http://schemas.microsoft.com/office/drawing/2013/main/command" xmlns:pc="http://schemas.microsoft.com/office/powerpoint/2013/main/command">
   <pc:docChgLst>
     <pc:chgData name="Chong, Nger Ling" userId="c51477ab-6967-41b7-bd42-9a3b2de2bf48" providerId="ADAL" clId="{661BD97C-D5FE-48E8-B146-4387970A35CC}"/>
-    <pc:docChg chg="modSld">
-      <pc:chgData name="Chong, Nger Ling" userId="c51477ab-6967-41b7-bd42-9a3b2de2bf48" providerId="ADAL" clId="{661BD97C-D5FE-48E8-B146-4387970A35CC}" dt="2021-11-26T08:32:26.356" v="196" actId="1076"/>
+    <pc:docChg chg="custSel modSld">
+      <pc:chgData name="Chong, Nger Ling" userId="c51477ab-6967-41b7-bd42-9a3b2de2bf48" providerId="ADAL" clId="{661BD97C-D5FE-48E8-B146-4387970A35CC}" dt="2021-11-29T06:31:33.662" v="841" actId="20577"/>
       <pc:docMkLst>
         <pc:docMk/>
       </pc:docMkLst>
-      <pc:sldChg chg="modSp mod">
-        <pc:chgData name="Chong, Nger Ling" userId="c51477ab-6967-41b7-bd42-9a3b2de2bf48" providerId="ADAL" clId="{661BD97C-D5FE-48E8-B146-4387970A35CC}" dt="2021-11-26T08:32:26.356" v="196" actId="1076"/>
+      <pc:sldChg chg="addSp modSp mod">
+        <pc:chgData name="Chong, Nger Ling" userId="c51477ab-6967-41b7-bd42-9a3b2de2bf48" providerId="ADAL" clId="{661BD97C-D5FE-48E8-B146-4387970A35CC}" dt="2021-11-29T06:31:33.662" v="841" actId="20577"/>
         <pc:sldMkLst>
           <pc:docMk/>
           <pc:sldMk cId="1128558066" sldId="256"/>
         </pc:sldMkLst>
+        <pc:spChg chg="add mod">
+          <ac:chgData name="Chong, Nger Ling" userId="c51477ab-6967-41b7-bd42-9a3b2de2bf48" providerId="ADAL" clId="{661BD97C-D5FE-48E8-B146-4387970A35CC}" dt="2021-11-29T03:54:10.166" v="775" actId="20577"/>
+          <ac:spMkLst>
+            <pc:docMk/>
+            <pc:sldMk cId="1128558066" sldId="256"/>
+            <ac:spMk id="2" creationId="{4151E68A-EFA4-480B-A0A0-31F4E777030D}"/>
+          </ac:spMkLst>
+        </pc:spChg>
         <pc:spChg chg="mod">
-          <ac:chgData name="Chong, Nger Ling" userId="c51477ab-6967-41b7-bd42-9a3b2de2bf48" providerId="ADAL" clId="{661BD97C-D5FE-48E8-B146-4387970A35CC}" dt="2021-11-26T08:30:05.875" v="189" actId="6549"/>
+          <ac:chgData name="Chong, Nger Ling" userId="c51477ab-6967-41b7-bd42-9a3b2de2bf48" providerId="ADAL" clId="{661BD97C-D5FE-48E8-B146-4387970A35CC}" dt="2021-11-29T06:31:33.662" v="841" actId="20577"/>
           <ac:spMkLst>
             <pc:docMk/>
             <pc:sldMk cId="1128558066" sldId="256"/>
@@ -144,7 +160,7 @@
           </ac:spMkLst>
         </pc:spChg>
         <pc:spChg chg="mod">
-          <ac:chgData name="Chong, Nger Ling" userId="c51477ab-6967-41b7-bd42-9a3b2de2bf48" providerId="ADAL" clId="{661BD97C-D5FE-48E8-B146-4387970A35CC}" dt="2021-11-26T08:13:44.676" v="143" actId="122"/>
+          <ac:chgData name="Chong, Nger Ling" userId="c51477ab-6967-41b7-bd42-9a3b2de2bf48" providerId="ADAL" clId="{661BD97C-D5FE-48E8-B146-4387970A35CC}" dt="2021-11-29T00:40:14.564" v="287" actId="122"/>
           <ac:spMkLst>
             <pc:docMk/>
             <pc:sldMk cId="1128558066" sldId="256"/>
@@ -160,7 +176,7 @@
           </ac:spMkLst>
         </pc:spChg>
         <pc:spChg chg="mod">
-          <ac:chgData name="Chong, Nger Ling" userId="c51477ab-6967-41b7-bd42-9a3b2de2bf48" providerId="ADAL" clId="{661BD97C-D5FE-48E8-B146-4387970A35CC}" dt="2021-11-26T08:32:26.356" v="196" actId="1076"/>
+          <ac:chgData name="Chong, Nger Ling" userId="c51477ab-6967-41b7-bd42-9a3b2de2bf48" providerId="ADAL" clId="{661BD97C-D5FE-48E8-B146-4387970A35CC}" dt="2021-11-29T00:41:28.226" v="307" actId="14100"/>
           <ac:spMkLst>
             <pc:docMk/>
             <pc:sldMk cId="1128558066" sldId="256"/>
@@ -176,7 +192,7 @@
           </ac:spMkLst>
         </pc:spChg>
         <pc:spChg chg="mod">
-          <ac:chgData name="Chong, Nger Ling" userId="c51477ab-6967-41b7-bd42-9a3b2de2bf48" providerId="ADAL" clId="{661BD97C-D5FE-48E8-B146-4387970A35CC}" dt="2021-11-26T08:13:40.226" v="142" actId="122"/>
+          <ac:chgData name="Chong, Nger Ling" userId="c51477ab-6967-41b7-bd42-9a3b2de2bf48" providerId="ADAL" clId="{661BD97C-D5FE-48E8-B146-4387970A35CC}" dt="2021-11-29T03:57:31.832" v="788" actId="14100"/>
           <ac:spMkLst>
             <pc:docMk/>
             <pc:sldMk cId="1128558066" sldId="256"/>
@@ -192,7 +208,7 @@
           </ac:spMkLst>
         </pc:spChg>
         <pc:spChg chg="mod">
-          <ac:chgData name="Chong, Nger Ling" userId="c51477ab-6967-41b7-bd42-9a3b2de2bf48" providerId="ADAL" clId="{661BD97C-D5FE-48E8-B146-4387970A35CC}" dt="2021-11-26T08:19:15.518" v="151" actId="1076"/>
+          <ac:chgData name="Chong, Nger Ling" userId="c51477ab-6967-41b7-bd42-9a3b2de2bf48" providerId="ADAL" clId="{661BD97C-D5FE-48E8-B146-4387970A35CC}" dt="2021-11-29T00:40:09.723" v="286" actId="122"/>
           <ac:spMkLst>
             <pc:docMk/>
             <pc:sldMk cId="1128558066" sldId="256"/>
@@ -200,13 +216,21 @@
           </ac:spMkLst>
         </pc:spChg>
         <pc:spChg chg="mod">
-          <ac:chgData name="Chong, Nger Ling" userId="c51477ab-6967-41b7-bd42-9a3b2de2bf48" providerId="ADAL" clId="{661BD97C-D5FE-48E8-B146-4387970A35CC}" dt="2021-11-26T08:32:09.903" v="192" actId="1076"/>
+          <ac:chgData name="Chong, Nger Ling" userId="c51477ab-6967-41b7-bd42-9a3b2de2bf48" providerId="ADAL" clId="{661BD97C-D5FE-48E8-B146-4387970A35CC}" dt="2021-11-29T02:28:14.343" v="514" actId="207"/>
           <ac:spMkLst>
             <pc:docMk/>
             <pc:sldMk cId="1128558066" sldId="256"/>
             <ac:spMk id="14" creationId="{E6F77944-FAB3-45CE-841F-E1C0B9FC2832}"/>
           </ac:spMkLst>
         </pc:spChg>
+        <pc:graphicFrameChg chg="add mod modGraphic">
+          <ac:chgData name="Chong, Nger Ling" userId="c51477ab-6967-41b7-bd42-9a3b2de2bf48" providerId="ADAL" clId="{661BD97C-D5FE-48E8-B146-4387970A35CC}" dt="2021-11-29T03:54:28.061" v="776" actId="14100"/>
+          <ac:graphicFrameMkLst>
+            <pc:docMk/>
+            <pc:sldMk cId="1128558066" sldId="256"/>
+            <ac:graphicFrameMk id="3" creationId="{1A73627B-B73A-412E-888E-6341236DD251}"/>
+          </ac:graphicFrameMkLst>
+        </pc:graphicFrameChg>
       </pc:sldChg>
     </pc:docChg>
   </pc:docChgLst>
@@ -362,7 +386,7 @@
           <a:p>
             <a:fld id="{4E705262-584D-4204-986A-988B5752D733}" type="datetimeFigureOut">
               <a:rPr lang="en-MY" smtClean="0"/>
-              <a:t>26/11/2021</a:t>
+              <a:t>29/11/2021</a:t>
             </a:fld>
             <a:endParaRPr lang="en-MY"/>
           </a:p>
@@ -562,7 +586,7 @@
           <a:p>
             <a:fld id="{4E705262-584D-4204-986A-988B5752D733}" type="datetimeFigureOut">
               <a:rPr lang="en-MY" smtClean="0"/>
-              <a:t>26/11/2021</a:t>
+              <a:t>29/11/2021</a:t>
             </a:fld>
             <a:endParaRPr lang="en-MY"/>
           </a:p>
@@ -772,7 +796,7 @@
           <a:p>
             <a:fld id="{4E705262-584D-4204-986A-988B5752D733}" type="datetimeFigureOut">
               <a:rPr lang="en-MY" smtClean="0"/>
-              <a:t>26/11/2021</a:t>
+              <a:t>29/11/2021</a:t>
             </a:fld>
             <a:endParaRPr lang="en-MY"/>
           </a:p>
@@ -972,7 +996,7 @@
           <a:p>
             <a:fld id="{4E705262-584D-4204-986A-988B5752D733}" type="datetimeFigureOut">
               <a:rPr lang="en-MY" smtClean="0"/>
-              <a:t>26/11/2021</a:t>
+              <a:t>29/11/2021</a:t>
             </a:fld>
             <a:endParaRPr lang="en-MY"/>
           </a:p>
@@ -1248,7 +1272,7 @@
           <a:p>
             <a:fld id="{4E705262-584D-4204-986A-988B5752D733}" type="datetimeFigureOut">
               <a:rPr lang="en-MY" smtClean="0"/>
-              <a:t>26/11/2021</a:t>
+              <a:t>29/11/2021</a:t>
             </a:fld>
             <a:endParaRPr lang="en-MY"/>
           </a:p>
@@ -1516,7 +1540,7 @@
           <a:p>
             <a:fld id="{4E705262-584D-4204-986A-988B5752D733}" type="datetimeFigureOut">
               <a:rPr lang="en-MY" smtClean="0"/>
-              <a:t>26/11/2021</a:t>
+              <a:t>29/11/2021</a:t>
             </a:fld>
             <a:endParaRPr lang="en-MY"/>
           </a:p>
@@ -1931,7 +1955,7 @@
           <a:p>
             <a:fld id="{4E705262-584D-4204-986A-988B5752D733}" type="datetimeFigureOut">
               <a:rPr lang="en-MY" smtClean="0"/>
-              <a:t>26/11/2021</a:t>
+              <a:t>29/11/2021</a:t>
             </a:fld>
             <a:endParaRPr lang="en-MY"/>
           </a:p>
@@ -2073,7 +2097,7 @@
           <a:p>
             <a:fld id="{4E705262-584D-4204-986A-988B5752D733}" type="datetimeFigureOut">
               <a:rPr lang="en-MY" smtClean="0"/>
-              <a:t>26/11/2021</a:t>
+              <a:t>29/11/2021</a:t>
             </a:fld>
             <a:endParaRPr lang="en-MY"/>
           </a:p>
@@ -2186,7 +2210,7 @@
           <a:p>
             <a:fld id="{4E705262-584D-4204-986A-988B5752D733}" type="datetimeFigureOut">
               <a:rPr lang="en-MY" smtClean="0"/>
-              <a:t>26/11/2021</a:t>
+              <a:t>29/11/2021</a:t>
             </a:fld>
             <a:endParaRPr lang="en-MY"/>
           </a:p>
@@ -2499,7 +2523,7 @@
           <a:p>
             <a:fld id="{4E705262-584D-4204-986A-988B5752D733}" type="datetimeFigureOut">
               <a:rPr lang="en-MY" smtClean="0"/>
-              <a:t>26/11/2021</a:t>
+              <a:t>29/11/2021</a:t>
             </a:fld>
             <a:endParaRPr lang="en-MY"/>
           </a:p>
@@ -2788,7 +2812,7 @@
           <a:p>
             <a:fld id="{4E705262-584D-4204-986A-988B5752D733}" type="datetimeFigureOut">
               <a:rPr lang="en-MY" smtClean="0"/>
-              <a:t>26/11/2021</a:t>
+              <a:t>29/11/2021</a:t>
             </a:fld>
             <a:endParaRPr lang="en-MY"/>
           </a:p>
@@ -3031,7 +3055,7 @@
           <a:p>
             <a:fld id="{4E705262-584D-4204-986A-988B5752D733}" type="datetimeFigureOut">
               <a:rPr lang="en-MY" smtClean="0"/>
-              <a:t>26/11/2021</a:t>
+              <a:t>29/11/2021</a:t>
             </a:fld>
             <a:endParaRPr lang="en-MY"/>
           </a:p>
@@ -3462,8 +3486,8 @@
         </p:nvSpPr>
         <p:spPr>
           <a:xfrm>
-            <a:off x="399802" y="971536"/>
-            <a:ext cx="2966051" cy="2703482"/>
+            <a:off x="204085" y="875426"/>
+            <a:ext cx="3185875" cy="3008281"/>
           </a:xfrm>
           <a:prstGeom prst="rect">
             <a:avLst/>
@@ -3526,7 +3550,7 @@
                   <a:schemeClr val="tx1"/>
                 </a:solidFill>
               </a:rPr>
-              <a:t>a) NA handling (NA removal/imputation) </a:t>
+              <a:t>a) Check for VID duplicates     (Unique VID)</a:t>
             </a:r>
           </a:p>
           <a:p>
@@ -3537,7 +3561,7 @@
                   <a:schemeClr val="tx1"/>
                 </a:solidFill>
               </a:rPr>
-              <a:t>b) Split data into train and validation datasets</a:t>
+              <a:t>b) NA handling (NA removal/imputation) </a:t>
             </a:r>
           </a:p>
           <a:p>
@@ -3548,7 +3572,7 @@
                   <a:schemeClr val="tx1"/>
                 </a:solidFill>
               </a:rPr>
-              <a:t>c) Standardization/Normalization</a:t>
+              <a:t>c) Convert negative to positive values if needed</a:t>
             </a:r>
           </a:p>
           <a:p>
@@ -3559,7 +3583,7 @@
                   <a:schemeClr val="tx1"/>
                 </a:solidFill>
               </a:rPr>
-              <a:t>d) Modularization if needed</a:t>
+              <a:t>d) Split data into train and validation datasets</a:t>
             </a:r>
           </a:p>
           <a:p>
@@ -3570,7 +3594,18 @@
                   <a:schemeClr val="tx1"/>
                 </a:solidFill>
               </a:rPr>
-              <a:t>d) Remove highly correlated features from the train data</a:t>
+              <a:t>e) Scaling the data if needed (Standardization/Normalization)</a:t>
+            </a:r>
+          </a:p>
+          <a:p>
+            <a:pPr algn="ctr"/>
+            <a:r>
+              <a:rPr lang="en-US" sz="1600" dirty="0">
+                <a:solidFill>
+                  <a:schemeClr val="tx1"/>
+                </a:solidFill>
+              </a:rPr>
+              <a:t>f) Remove highly correlated features</a:t>
             </a:r>
           </a:p>
           <a:p>
@@ -3800,8 +3835,8 @@
         </p:nvSpPr>
         <p:spPr>
           <a:xfrm>
-            <a:off x="5458906" y="3085533"/>
-            <a:ext cx="2695491" cy="1596349"/>
+            <a:off x="5477691" y="3085533"/>
+            <a:ext cx="2676706" cy="1630606"/>
           </a:xfrm>
           <a:prstGeom prst="rect">
             <a:avLst/>
@@ -3872,7 +3907,7 @@
                   <a:schemeClr val="tx1"/>
                 </a:solidFill>
               </a:rPr>
-              <a:t>a)Non-synthetic: random oversampling/random </a:t>
+              <a:t>a)  Non-synthetic: random oversampling/random </a:t>
             </a:r>
             <a:r>
               <a:rPr lang="en-US" sz="1400" dirty="0" err="1">
@@ -3899,7 +3934,7 @@
                   <a:schemeClr val="tx1"/>
                 </a:solidFill>
               </a:rPr>
-              <a:t>b) Synthetic data: SMOTE, Borderline SMOTE, etc</a:t>
+              <a:t>b)  Synthetic data: SMOTE, Borderline SMOTE, etc</a:t>
             </a:r>
             <a:r>
               <a:rPr lang="en-US" sz="1400" b="1" dirty="0">
@@ -3991,8 +4026,8 @@
         </p:nvSpPr>
         <p:spPr>
           <a:xfrm>
-            <a:off x="7209053" y="991633"/>
-            <a:ext cx="2604655" cy="1854925"/>
+            <a:off x="7209053" y="975359"/>
+            <a:ext cx="2664706" cy="1978227"/>
           </a:xfrm>
           <a:prstGeom prst="rect">
             <a:avLst/>
@@ -4114,7 +4149,18 @@
                   <a:schemeClr val="tx1"/>
                 </a:solidFill>
               </a:rPr>
-              <a:t>b) Hyperparameter tuning and grid search for model optimization</a:t>
+              <a:t>together with hyperparameter tuning/grid search</a:t>
+            </a:r>
+          </a:p>
+          <a:p>
+            <a:pPr algn="ctr"/>
+            <a:r>
+              <a:rPr lang="en-US" sz="1400" dirty="0">
+                <a:solidFill>
+                  <a:schemeClr val="tx1"/>
+                </a:solidFill>
+              </a:rPr>
+              <a:t>b) Evaluate model fairness</a:t>
             </a:r>
           </a:p>
           <a:p>
@@ -4283,7 +4329,10 @@
             <a:avLst/>
           </a:prstGeom>
           <a:solidFill>
-            <a:schemeClr val="accent3"/>
+            <a:schemeClr val="accent1">
+              <a:lumMod val="20000"/>
+              <a:lumOff val="80000"/>
+            </a:schemeClr>
           </a:solidFill>
           <a:ln>
             <a:solidFill>
@@ -4316,6 +4365,868 @@
           </a:p>
         </p:txBody>
       </p:sp>
+      <p:sp>
+        <p:nvSpPr>
+          <p:cNvPr id="2" name="TextBox 1">
+            <a:extLst>
+              <a:ext uri="{FF2B5EF4-FFF2-40B4-BE49-F238E27FC236}">
+                <a16:creationId xmlns:a16="http://schemas.microsoft.com/office/drawing/2014/main" id="{4151E68A-EFA4-480B-A0A0-31F4E777030D}"/>
+              </a:ext>
+            </a:extLst>
+          </p:cNvPr>
+          <p:cNvSpPr txBox="1"/>
+          <p:nvPr/>
+        </p:nvSpPr>
+        <p:spPr>
+          <a:xfrm>
+            <a:off x="418010" y="4848086"/>
+            <a:ext cx="9495313" cy="923330"/>
+          </a:xfrm>
+          <a:prstGeom prst="rect">
+            <a:avLst/>
+          </a:prstGeom>
+          <a:noFill/>
+        </p:spPr>
+        <p:txBody>
+          <a:bodyPr wrap="square" rtlCol="0">
+            <a:spAutoFit/>
+          </a:bodyPr>
+          <a:lstStyle/>
+          <a:p>
+            <a:r>
+              <a:rPr lang="en-US" dirty="0"/>
+              <a:t>WW51 (Mid Dec) -&gt; Complete feature selection and send out important parameters for checking</a:t>
+            </a:r>
+          </a:p>
+          <a:p>
+            <a:r>
+              <a:rPr lang="en-US" dirty="0"/>
+              <a:t>Target accuracy of predicting speckle: at least 70%</a:t>
+            </a:r>
+          </a:p>
+          <a:p>
+            <a:r>
+              <a:rPr lang="en-US" dirty="0"/>
+              <a:t>Target accuracy of predicting non-speckle: at least 80-90%</a:t>
+            </a:r>
+            <a:endParaRPr lang="en-MY" dirty="0"/>
+          </a:p>
+        </p:txBody>
+      </p:sp>
+      <p:graphicFrame>
+        <p:nvGraphicFramePr>
+          <p:cNvPr id="3" name="Table 2">
+            <a:extLst>
+              <a:ext uri="{FF2B5EF4-FFF2-40B4-BE49-F238E27FC236}">
+                <a16:creationId xmlns:a16="http://schemas.microsoft.com/office/drawing/2014/main" id="{1A73627B-B73A-412E-888E-6341236DD251}"/>
+              </a:ext>
+            </a:extLst>
+          </p:cNvPr>
+          <p:cNvGraphicFramePr>
+            <a:graphicFrameLocks noGrp="1"/>
+          </p:cNvGraphicFramePr>
+          <p:nvPr>
+            <p:extLst>
+              <p:ext uri="{D42A27DB-BD31-4B8C-83A1-F6EECF244321}">
+                <p14:modId xmlns:p14="http://schemas.microsoft.com/office/powerpoint/2010/main" val="1914661187"/>
+              </p:ext>
+            </p:extLst>
+          </p:nvPr>
+        </p:nvGraphicFramePr>
+        <p:xfrm>
+          <a:off x="565081" y="5850142"/>
+          <a:ext cx="3448080" cy="780032"/>
+        </p:xfrm>
+        <a:graphic>
+          <a:graphicData uri="http://schemas.openxmlformats.org/drawingml/2006/table">
+            <a:tbl>
+              <a:tblPr/>
+              <a:tblGrid>
+                <a:gridCol w="875703">
+                  <a:extLst>
+                    <a:ext uri="{9D8B030D-6E8A-4147-A177-3AD203B41FA5}">
+                      <a16:colId xmlns:a16="http://schemas.microsoft.com/office/drawing/2014/main" val="1479832665"/>
+                    </a:ext>
+                  </a:extLst>
+                </a:gridCol>
+                <a:gridCol w="884825">
+                  <a:extLst>
+                    <a:ext uri="{9D8B030D-6E8A-4147-A177-3AD203B41FA5}">
+                      <a16:colId xmlns:a16="http://schemas.microsoft.com/office/drawing/2014/main" val="1650214899"/>
+                    </a:ext>
+                  </a:extLst>
+                </a:gridCol>
+                <a:gridCol w="839215">
+                  <a:extLst>
+                    <a:ext uri="{9D8B030D-6E8A-4147-A177-3AD203B41FA5}">
+                      <a16:colId xmlns:a16="http://schemas.microsoft.com/office/drawing/2014/main" val="4240431782"/>
+                    </a:ext>
+                  </a:extLst>
+                </a:gridCol>
+                <a:gridCol w="848337">
+                  <a:extLst>
+                    <a:ext uri="{9D8B030D-6E8A-4147-A177-3AD203B41FA5}">
+                      <a16:colId xmlns:a16="http://schemas.microsoft.com/office/drawing/2014/main" val="2155609747"/>
+                    </a:ext>
+                  </a:extLst>
+                </a:gridCol>
+              </a:tblGrid>
+              <a:tr h="195008">
+                <a:tc>
+                  <a:txBody>
+                    <a:bodyPr/>
+                    <a:lstStyle/>
+                    <a:p>
+                      <a:pPr algn="l" fontAlgn="b"/>
+                      <a:r>
+                        <a:rPr lang="en-MY" sz="1100" b="0" i="0" u="none" strike="noStrike">
+                          <a:solidFill>
+                            <a:srgbClr val="000000"/>
+                          </a:solidFill>
+                          <a:effectLst/>
+                          <a:latin typeface="Calibri" panose="020F0502020204030204" pitchFamily="34" charset="0"/>
+                        </a:rPr>
+                        <a:t> </a:t>
+                      </a:r>
+                    </a:p>
+                  </a:txBody>
+                  <a:tcPr marL="6350" marR="6350" marT="6350" marB="0" anchor="b">
+                    <a:lnL w="6350" cap="flat" cmpd="sng" algn="ctr">
+                      <a:solidFill>
+                        <a:srgbClr val="000000"/>
+                      </a:solidFill>
+                      <a:prstDash val="solid"/>
+                      <a:round/>
+                      <a:headEnd type="none" w="med" len="med"/>
+                      <a:tailEnd type="none" w="med" len="med"/>
+                    </a:lnL>
+                    <a:lnR w="6350" cap="flat" cmpd="sng" algn="ctr">
+                      <a:solidFill>
+                        <a:srgbClr val="000000"/>
+                      </a:solidFill>
+                      <a:prstDash val="solid"/>
+                      <a:round/>
+                      <a:headEnd type="none" w="med" len="med"/>
+                      <a:tailEnd type="none" w="med" len="med"/>
+                    </a:lnR>
+                    <a:lnT w="6350" cap="flat" cmpd="sng" algn="ctr">
+                      <a:solidFill>
+                        <a:srgbClr val="000000"/>
+                      </a:solidFill>
+                      <a:prstDash val="solid"/>
+                      <a:round/>
+                      <a:headEnd type="none" w="med" len="med"/>
+                      <a:tailEnd type="none" w="med" len="med"/>
+                    </a:lnT>
+                    <a:lnB w="6350" cap="flat" cmpd="sng" algn="ctr">
+                      <a:solidFill>
+                        <a:srgbClr val="000000"/>
+                      </a:solidFill>
+                      <a:prstDash val="solid"/>
+                      <a:round/>
+                      <a:headEnd type="none" w="med" len="med"/>
+                      <a:tailEnd type="none" w="med" len="med"/>
+                    </a:lnB>
+                  </a:tcPr>
+                </a:tc>
+                <a:tc gridSpan="3">
+                  <a:txBody>
+                    <a:bodyPr/>
+                    <a:lstStyle/>
+                    <a:p>
+                      <a:pPr algn="ctr" fontAlgn="b"/>
+                      <a:r>
+                        <a:rPr lang="en-MY" sz="1100" b="0" i="0" u="none" strike="noStrike" dirty="0">
+                          <a:solidFill>
+                            <a:srgbClr val="000000"/>
+                          </a:solidFill>
+                          <a:effectLst/>
+                          <a:latin typeface="Calibri" panose="020F0502020204030204" pitchFamily="34" charset="0"/>
+                        </a:rPr>
+                        <a:t>Predicted</a:t>
+                      </a:r>
+                    </a:p>
+                  </a:txBody>
+                  <a:tcPr marL="6350" marR="6350" marT="6350" marB="0" anchor="b">
+                    <a:lnL w="6350" cap="flat" cmpd="sng" algn="ctr">
+                      <a:solidFill>
+                        <a:srgbClr val="000000"/>
+                      </a:solidFill>
+                      <a:prstDash val="solid"/>
+                      <a:round/>
+                      <a:headEnd type="none" w="med" len="med"/>
+                      <a:tailEnd type="none" w="med" len="med"/>
+                    </a:lnL>
+                    <a:lnR w="6350" cap="flat" cmpd="sng" algn="ctr">
+                      <a:solidFill>
+                        <a:srgbClr val="000000"/>
+                      </a:solidFill>
+                      <a:prstDash val="solid"/>
+                      <a:round/>
+                      <a:headEnd type="none" w="med" len="med"/>
+                      <a:tailEnd type="none" w="med" len="med"/>
+                    </a:lnR>
+                    <a:lnT w="6350" cap="flat" cmpd="sng" algn="ctr">
+                      <a:solidFill>
+                        <a:srgbClr val="000000"/>
+                      </a:solidFill>
+                      <a:prstDash val="solid"/>
+                      <a:round/>
+                      <a:headEnd type="none" w="med" len="med"/>
+                      <a:tailEnd type="none" w="med" len="med"/>
+                    </a:lnT>
+                    <a:lnB w="6350" cap="flat" cmpd="sng" algn="ctr">
+                      <a:solidFill>
+                        <a:srgbClr val="000000"/>
+                      </a:solidFill>
+                      <a:prstDash val="solid"/>
+                      <a:round/>
+                      <a:headEnd type="none" w="med" len="med"/>
+                      <a:tailEnd type="none" w="med" len="med"/>
+                    </a:lnB>
+                  </a:tcPr>
+                </a:tc>
+                <a:tc hMerge="1">
+                  <a:txBody>
+                    <a:bodyPr/>
+                    <a:lstStyle/>
+                    <a:p>
+                      <a:endParaRPr lang="en-MY"/>
+                    </a:p>
+                  </a:txBody>
+                  <a:tcPr/>
+                </a:tc>
+                <a:tc hMerge="1">
+                  <a:txBody>
+                    <a:bodyPr/>
+                    <a:lstStyle/>
+                    <a:p>
+                      <a:endParaRPr lang="en-MY"/>
+                    </a:p>
+                  </a:txBody>
+                  <a:tcPr/>
+                </a:tc>
+                <a:extLst>
+                  <a:ext uri="{0D108BD9-81ED-4DB2-BD59-A6C34878D82A}">
+                    <a16:rowId xmlns:a16="http://schemas.microsoft.com/office/drawing/2014/main" val="1205432553"/>
+                  </a:ext>
+                </a:extLst>
+              </a:tr>
+              <a:tr h="195008">
+                <a:tc rowSpan="3">
+                  <a:txBody>
+                    <a:bodyPr/>
+                    <a:lstStyle/>
+                    <a:p>
+                      <a:pPr algn="ctr" fontAlgn="ctr"/>
+                      <a:r>
+                        <a:rPr lang="en-MY" sz="1100" b="0" i="0" u="none" strike="noStrike">
+                          <a:solidFill>
+                            <a:srgbClr val="000000"/>
+                          </a:solidFill>
+                          <a:effectLst/>
+                          <a:latin typeface="Calibri" panose="020F0502020204030204" pitchFamily="34" charset="0"/>
+                        </a:rPr>
+                        <a:t>Actual</a:t>
+                      </a:r>
+                    </a:p>
+                  </a:txBody>
+                  <a:tcPr marL="6350" marR="6350" marT="6350" marB="0" anchor="ctr">
+                    <a:lnL w="6350" cap="flat" cmpd="sng" algn="ctr">
+                      <a:solidFill>
+                        <a:srgbClr val="000000"/>
+                      </a:solidFill>
+                      <a:prstDash val="solid"/>
+                      <a:round/>
+                      <a:headEnd type="none" w="med" len="med"/>
+                      <a:tailEnd type="none" w="med" len="med"/>
+                    </a:lnL>
+                    <a:lnR w="6350" cap="flat" cmpd="sng" algn="ctr">
+                      <a:solidFill>
+                        <a:srgbClr val="000000"/>
+                      </a:solidFill>
+                      <a:prstDash val="solid"/>
+                      <a:round/>
+                      <a:headEnd type="none" w="med" len="med"/>
+                      <a:tailEnd type="none" w="med" len="med"/>
+                    </a:lnR>
+                    <a:lnT w="6350" cap="flat" cmpd="sng" algn="ctr">
+                      <a:solidFill>
+                        <a:srgbClr val="000000"/>
+                      </a:solidFill>
+                      <a:prstDash val="solid"/>
+                      <a:round/>
+                      <a:headEnd type="none" w="med" len="med"/>
+                      <a:tailEnd type="none" w="med" len="med"/>
+                    </a:lnT>
+                    <a:lnB w="6350" cap="flat" cmpd="sng" algn="ctr">
+                      <a:solidFill>
+                        <a:srgbClr val="000000"/>
+                      </a:solidFill>
+                      <a:prstDash val="solid"/>
+                      <a:round/>
+                      <a:headEnd type="none" w="med" len="med"/>
+                      <a:tailEnd type="none" w="med" len="med"/>
+                    </a:lnB>
+                  </a:tcPr>
+                </a:tc>
+                <a:tc>
+                  <a:txBody>
+                    <a:bodyPr/>
+                    <a:lstStyle/>
+                    <a:p>
+                      <a:pPr algn="l" fontAlgn="b"/>
+                      <a:r>
+                        <a:rPr lang="en-MY" sz="1100" b="0" i="0" u="none" strike="noStrike">
+                          <a:solidFill>
+                            <a:srgbClr val="000000"/>
+                          </a:solidFill>
+                          <a:effectLst/>
+                          <a:latin typeface="Calibri" panose="020F0502020204030204" pitchFamily="34" charset="0"/>
+                        </a:rPr>
+                        <a:t> </a:t>
+                      </a:r>
+                    </a:p>
+                  </a:txBody>
+                  <a:tcPr marL="6350" marR="6350" marT="6350" marB="0" anchor="b">
+                    <a:lnL w="6350" cap="flat" cmpd="sng" algn="ctr">
+                      <a:solidFill>
+                        <a:srgbClr val="000000"/>
+                      </a:solidFill>
+                      <a:prstDash val="solid"/>
+                      <a:round/>
+                      <a:headEnd type="none" w="med" len="med"/>
+                      <a:tailEnd type="none" w="med" len="med"/>
+                    </a:lnL>
+                    <a:lnR w="6350" cap="flat" cmpd="sng" algn="ctr">
+                      <a:solidFill>
+                        <a:srgbClr val="000000"/>
+                      </a:solidFill>
+                      <a:prstDash val="solid"/>
+                      <a:round/>
+                      <a:headEnd type="none" w="med" len="med"/>
+                      <a:tailEnd type="none" w="med" len="med"/>
+                    </a:lnR>
+                    <a:lnT w="6350" cap="flat" cmpd="sng" algn="ctr">
+                      <a:solidFill>
+                        <a:srgbClr val="000000"/>
+                      </a:solidFill>
+                      <a:prstDash val="solid"/>
+                      <a:round/>
+                      <a:headEnd type="none" w="med" len="med"/>
+                      <a:tailEnd type="none" w="med" len="med"/>
+                    </a:lnT>
+                    <a:lnB w="6350" cap="flat" cmpd="sng" algn="ctr">
+                      <a:solidFill>
+                        <a:srgbClr val="000000"/>
+                      </a:solidFill>
+                      <a:prstDash val="solid"/>
+                      <a:round/>
+                      <a:headEnd type="none" w="med" len="med"/>
+                      <a:tailEnd type="none" w="med" len="med"/>
+                    </a:lnB>
+                  </a:tcPr>
+                </a:tc>
+                <a:tc>
+                  <a:txBody>
+                    <a:bodyPr/>
+                    <a:lstStyle/>
+                    <a:p>
+                      <a:pPr algn="l" fontAlgn="b"/>
+                      <a:r>
+                        <a:rPr lang="en-MY" sz="1100" b="0" i="0" u="none" strike="noStrike">
+                          <a:solidFill>
+                            <a:srgbClr val="000000"/>
+                          </a:solidFill>
+                          <a:effectLst/>
+                          <a:latin typeface="Calibri" panose="020F0502020204030204" pitchFamily="34" charset="0"/>
+                        </a:rPr>
+                        <a:t>Speckle</a:t>
+                      </a:r>
+                    </a:p>
+                  </a:txBody>
+                  <a:tcPr marL="6350" marR="6350" marT="6350" marB="0" anchor="b">
+                    <a:lnL w="6350" cap="flat" cmpd="sng" algn="ctr">
+                      <a:solidFill>
+                        <a:srgbClr val="000000"/>
+                      </a:solidFill>
+                      <a:prstDash val="solid"/>
+                      <a:round/>
+                      <a:headEnd type="none" w="med" len="med"/>
+                      <a:tailEnd type="none" w="med" len="med"/>
+                    </a:lnL>
+                    <a:lnR w="6350" cap="flat" cmpd="sng" algn="ctr">
+                      <a:solidFill>
+                        <a:srgbClr val="000000"/>
+                      </a:solidFill>
+                      <a:prstDash val="solid"/>
+                      <a:round/>
+                      <a:headEnd type="none" w="med" len="med"/>
+                      <a:tailEnd type="none" w="med" len="med"/>
+                    </a:lnR>
+                    <a:lnT w="6350" cap="flat" cmpd="sng" algn="ctr">
+                      <a:solidFill>
+                        <a:srgbClr val="000000"/>
+                      </a:solidFill>
+                      <a:prstDash val="solid"/>
+                      <a:round/>
+                      <a:headEnd type="none" w="med" len="med"/>
+                      <a:tailEnd type="none" w="med" len="med"/>
+                    </a:lnT>
+                    <a:lnB w="6350" cap="flat" cmpd="sng" algn="ctr">
+                      <a:solidFill>
+                        <a:srgbClr val="000000"/>
+                      </a:solidFill>
+                      <a:prstDash val="solid"/>
+                      <a:round/>
+                      <a:headEnd type="none" w="med" len="med"/>
+                      <a:tailEnd type="none" w="med" len="med"/>
+                    </a:lnB>
+                  </a:tcPr>
+                </a:tc>
+                <a:tc>
+                  <a:txBody>
+                    <a:bodyPr/>
+                    <a:lstStyle/>
+                    <a:p>
+                      <a:pPr algn="l" fontAlgn="b"/>
+                      <a:r>
+                        <a:rPr lang="en-MY" sz="1100" b="0" i="0" u="none" strike="noStrike">
+                          <a:solidFill>
+                            <a:srgbClr val="000000"/>
+                          </a:solidFill>
+                          <a:effectLst/>
+                          <a:latin typeface="Calibri" panose="020F0502020204030204" pitchFamily="34" charset="0"/>
+                        </a:rPr>
+                        <a:t>Non-speckle</a:t>
+                      </a:r>
+                    </a:p>
+                  </a:txBody>
+                  <a:tcPr marL="6350" marR="6350" marT="6350" marB="0" anchor="b">
+                    <a:lnL w="6350" cap="flat" cmpd="sng" algn="ctr">
+                      <a:solidFill>
+                        <a:srgbClr val="000000"/>
+                      </a:solidFill>
+                      <a:prstDash val="solid"/>
+                      <a:round/>
+                      <a:headEnd type="none" w="med" len="med"/>
+                      <a:tailEnd type="none" w="med" len="med"/>
+                    </a:lnL>
+                    <a:lnR w="6350" cap="flat" cmpd="sng" algn="ctr">
+                      <a:solidFill>
+                        <a:srgbClr val="000000"/>
+                      </a:solidFill>
+                      <a:prstDash val="solid"/>
+                      <a:round/>
+                      <a:headEnd type="none" w="med" len="med"/>
+                      <a:tailEnd type="none" w="med" len="med"/>
+                    </a:lnR>
+                    <a:lnT w="6350" cap="flat" cmpd="sng" algn="ctr">
+                      <a:solidFill>
+                        <a:srgbClr val="000000"/>
+                      </a:solidFill>
+                      <a:prstDash val="solid"/>
+                      <a:round/>
+                      <a:headEnd type="none" w="med" len="med"/>
+                      <a:tailEnd type="none" w="med" len="med"/>
+                    </a:lnT>
+                    <a:lnB w="6350" cap="flat" cmpd="sng" algn="ctr">
+                      <a:solidFill>
+                        <a:srgbClr val="000000"/>
+                      </a:solidFill>
+                      <a:prstDash val="solid"/>
+                      <a:round/>
+                      <a:headEnd type="none" w="med" len="med"/>
+                      <a:tailEnd type="none" w="med" len="med"/>
+                    </a:lnB>
+                  </a:tcPr>
+                </a:tc>
+                <a:extLst>
+                  <a:ext uri="{0D108BD9-81ED-4DB2-BD59-A6C34878D82A}">
+                    <a16:rowId xmlns:a16="http://schemas.microsoft.com/office/drawing/2014/main" val="919094858"/>
+                  </a:ext>
+                </a:extLst>
+              </a:tr>
+              <a:tr h="195008">
+                <a:tc vMerge="1">
+                  <a:txBody>
+                    <a:bodyPr/>
+                    <a:lstStyle/>
+                    <a:p>
+                      <a:endParaRPr lang="en-MY"/>
+                    </a:p>
+                  </a:txBody>
+                  <a:tcPr/>
+                </a:tc>
+                <a:tc>
+                  <a:txBody>
+                    <a:bodyPr/>
+                    <a:lstStyle/>
+                    <a:p>
+                      <a:pPr algn="l" fontAlgn="b"/>
+                      <a:r>
+                        <a:rPr lang="en-MY" sz="1100" b="0" i="0" u="none" strike="noStrike">
+                          <a:solidFill>
+                            <a:srgbClr val="000000"/>
+                          </a:solidFill>
+                          <a:effectLst/>
+                          <a:latin typeface="Calibri" panose="020F0502020204030204" pitchFamily="34" charset="0"/>
+                        </a:rPr>
+                        <a:t>Speckle</a:t>
+                      </a:r>
+                    </a:p>
+                  </a:txBody>
+                  <a:tcPr marL="6350" marR="6350" marT="6350" marB="0" anchor="b">
+                    <a:lnL w="6350" cap="flat" cmpd="sng" algn="ctr">
+                      <a:solidFill>
+                        <a:srgbClr val="000000"/>
+                      </a:solidFill>
+                      <a:prstDash val="solid"/>
+                      <a:round/>
+                      <a:headEnd type="none" w="med" len="med"/>
+                      <a:tailEnd type="none" w="med" len="med"/>
+                    </a:lnL>
+                    <a:lnR w="6350" cap="flat" cmpd="sng" algn="ctr">
+                      <a:solidFill>
+                        <a:srgbClr val="000000"/>
+                      </a:solidFill>
+                      <a:prstDash val="solid"/>
+                      <a:round/>
+                      <a:headEnd type="none" w="med" len="med"/>
+                      <a:tailEnd type="none" w="med" len="med"/>
+                    </a:lnR>
+                    <a:lnT w="6350" cap="flat" cmpd="sng" algn="ctr">
+                      <a:solidFill>
+                        <a:srgbClr val="000000"/>
+                      </a:solidFill>
+                      <a:prstDash val="solid"/>
+                      <a:round/>
+                      <a:headEnd type="none" w="med" len="med"/>
+                      <a:tailEnd type="none" w="med" len="med"/>
+                    </a:lnT>
+                    <a:lnB w="6350" cap="flat" cmpd="sng" algn="ctr">
+                      <a:solidFill>
+                        <a:srgbClr val="000000"/>
+                      </a:solidFill>
+                      <a:prstDash val="solid"/>
+                      <a:round/>
+                      <a:headEnd type="none" w="med" len="med"/>
+                      <a:tailEnd type="none" w="med" len="med"/>
+                    </a:lnB>
+                  </a:tcPr>
+                </a:tc>
+                <a:tc>
+                  <a:txBody>
+                    <a:bodyPr/>
+                    <a:lstStyle/>
+                    <a:p>
+                      <a:pPr algn="ctr" fontAlgn="b"/>
+                      <a:r>
+                        <a:rPr lang="en-MY" sz="1100" b="0" i="0" u="none" strike="noStrike">
+                          <a:solidFill>
+                            <a:srgbClr val="000000"/>
+                          </a:solidFill>
+                          <a:effectLst/>
+                          <a:latin typeface="Calibri" panose="020F0502020204030204" pitchFamily="34" charset="0"/>
+                        </a:rPr>
+                        <a:t>70%</a:t>
+                      </a:r>
+                    </a:p>
+                  </a:txBody>
+                  <a:tcPr marL="6350" marR="6350" marT="6350" marB="0" anchor="b">
+                    <a:lnL w="6350" cap="flat" cmpd="sng" algn="ctr">
+                      <a:solidFill>
+                        <a:srgbClr val="000000"/>
+                      </a:solidFill>
+                      <a:prstDash val="solid"/>
+                      <a:round/>
+                      <a:headEnd type="none" w="med" len="med"/>
+                      <a:tailEnd type="none" w="med" len="med"/>
+                    </a:lnL>
+                    <a:lnR w="6350" cap="flat" cmpd="sng" algn="ctr">
+                      <a:solidFill>
+                        <a:srgbClr val="000000"/>
+                      </a:solidFill>
+                      <a:prstDash val="solid"/>
+                      <a:round/>
+                      <a:headEnd type="none" w="med" len="med"/>
+                      <a:tailEnd type="none" w="med" len="med"/>
+                    </a:lnR>
+                    <a:lnT w="6350" cap="flat" cmpd="sng" algn="ctr">
+                      <a:solidFill>
+                        <a:srgbClr val="000000"/>
+                      </a:solidFill>
+                      <a:prstDash val="solid"/>
+                      <a:round/>
+                      <a:headEnd type="none" w="med" len="med"/>
+                      <a:tailEnd type="none" w="med" len="med"/>
+                    </a:lnT>
+                    <a:lnB w="6350" cap="flat" cmpd="sng" algn="ctr">
+                      <a:solidFill>
+                        <a:srgbClr val="000000"/>
+                      </a:solidFill>
+                      <a:prstDash val="solid"/>
+                      <a:round/>
+                      <a:headEnd type="none" w="med" len="med"/>
+                      <a:tailEnd type="none" w="med" len="med"/>
+                    </a:lnB>
+                  </a:tcPr>
+                </a:tc>
+                <a:tc>
+                  <a:txBody>
+                    <a:bodyPr/>
+                    <a:lstStyle/>
+                    <a:p>
+                      <a:pPr algn="ctr" fontAlgn="b"/>
+                      <a:r>
+                        <a:rPr lang="en-MY" sz="1100" b="0" i="0" u="none" strike="noStrike">
+                          <a:solidFill>
+                            <a:srgbClr val="000000"/>
+                          </a:solidFill>
+                          <a:effectLst/>
+                          <a:latin typeface="Calibri" panose="020F0502020204030204" pitchFamily="34" charset="0"/>
+                        </a:rPr>
+                        <a:t>30%</a:t>
+                      </a:r>
+                    </a:p>
+                  </a:txBody>
+                  <a:tcPr marL="6350" marR="6350" marT="6350" marB="0" anchor="b">
+                    <a:lnL w="6350" cap="flat" cmpd="sng" algn="ctr">
+                      <a:solidFill>
+                        <a:srgbClr val="000000"/>
+                      </a:solidFill>
+                      <a:prstDash val="solid"/>
+                      <a:round/>
+                      <a:headEnd type="none" w="med" len="med"/>
+                      <a:tailEnd type="none" w="med" len="med"/>
+                    </a:lnL>
+                    <a:lnR w="6350" cap="flat" cmpd="sng" algn="ctr">
+                      <a:solidFill>
+                        <a:srgbClr val="000000"/>
+                      </a:solidFill>
+                      <a:prstDash val="solid"/>
+                      <a:round/>
+                      <a:headEnd type="none" w="med" len="med"/>
+                      <a:tailEnd type="none" w="med" len="med"/>
+                    </a:lnR>
+                    <a:lnT w="6350" cap="flat" cmpd="sng" algn="ctr">
+                      <a:solidFill>
+                        <a:srgbClr val="000000"/>
+                      </a:solidFill>
+                      <a:prstDash val="solid"/>
+                      <a:round/>
+                      <a:headEnd type="none" w="med" len="med"/>
+                      <a:tailEnd type="none" w="med" len="med"/>
+                    </a:lnT>
+                    <a:lnB w="6350" cap="flat" cmpd="sng" algn="ctr">
+                      <a:solidFill>
+                        <a:srgbClr val="000000"/>
+                      </a:solidFill>
+                      <a:prstDash val="solid"/>
+                      <a:round/>
+                      <a:headEnd type="none" w="med" len="med"/>
+                      <a:tailEnd type="none" w="med" len="med"/>
+                    </a:lnB>
+                  </a:tcPr>
+                </a:tc>
+                <a:extLst>
+                  <a:ext uri="{0D108BD9-81ED-4DB2-BD59-A6C34878D82A}">
+                    <a16:rowId xmlns:a16="http://schemas.microsoft.com/office/drawing/2014/main" val="3964552385"/>
+                  </a:ext>
+                </a:extLst>
+              </a:tr>
+              <a:tr h="195008">
+                <a:tc vMerge="1">
+                  <a:txBody>
+                    <a:bodyPr/>
+                    <a:lstStyle/>
+                    <a:p>
+                      <a:endParaRPr lang="en-MY"/>
+                    </a:p>
+                  </a:txBody>
+                  <a:tcPr/>
+                </a:tc>
+                <a:tc>
+                  <a:txBody>
+                    <a:bodyPr/>
+                    <a:lstStyle/>
+                    <a:p>
+                      <a:pPr algn="l" fontAlgn="b"/>
+                      <a:r>
+                        <a:rPr lang="en-MY" sz="1100" b="0" i="0" u="none" strike="noStrike">
+                          <a:solidFill>
+                            <a:srgbClr val="000000"/>
+                          </a:solidFill>
+                          <a:effectLst/>
+                          <a:latin typeface="Calibri" panose="020F0502020204030204" pitchFamily="34" charset="0"/>
+                        </a:rPr>
+                        <a:t>Non-speckle</a:t>
+                      </a:r>
+                    </a:p>
+                  </a:txBody>
+                  <a:tcPr marL="6350" marR="6350" marT="6350" marB="0" anchor="b">
+                    <a:lnL w="6350" cap="flat" cmpd="sng" algn="ctr">
+                      <a:solidFill>
+                        <a:srgbClr val="000000"/>
+                      </a:solidFill>
+                      <a:prstDash val="solid"/>
+                      <a:round/>
+                      <a:headEnd type="none" w="med" len="med"/>
+                      <a:tailEnd type="none" w="med" len="med"/>
+                    </a:lnL>
+                    <a:lnR w="6350" cap="flat" cmpd="sng" algn="ctr">
+                      <a:solidFill>
+                        <a:srgbClr val="000000"/>
+                      </a:solidFill>
+                      <a:prstDash val="solid"/>
+                      <a:round/>
+                      <a:headEnd type="none" w="med" len="med"/>
+                      <a:tailEnd type="none" w="med" len="med"/>
+                    </a:lnR>
+                    <a:lnT w="6350" cap="flat" cmpd="sng" algn="ctr">
+                      <a:solidFill>
+                        <a:srgbClr val="000000"/>
+                      </a:solidFill>
+                      <a:prstDash val="solid"/>
+                      <a:round/>
+                      <a:headEnd type="none" w="med" len="med"/>
+                      <a:tailEnd type="none" w="med" len="med"/>
+                    </a:lnT>
+                    <a:lnB w="6350" cap="flat" cmpd="sng" algn="ctr">
+                      <a:solidFill>
+                        <a:srgbClr val="000000"/>
+                      </a:solidFill>
+                      <a:prstDash val="solid"/>
+                      <a:round/>
+                      <a:headEnd type="none" w="med" len="med"/>
+                      <a:tailEnd type="none" w="med" len="med"/>
+                    </a:lnB>
+                  </a:tcPr>
+                </a:tc>
+                <a:tc>
+                  <a:txBody>
+                    <a:bodyPr/>
+                    <a:lstStyle/>
+                    <a:p>
+                      <a:pPr algn="ctr" fontAlgn="b"/>
+                      <a:r>
+                        <a:rPr lang="en-MY" sz="1100" b="0" i="0" u="none" strike="noStrike">
+                          <a:solidFill>
+                            <a:srgbClr val="000000"/>
+                          </a:solidFill>
+                          <a:effectLst/>
+                          <a:latin typeface="Calibri" panose="020F0502020204030204" pitchFamily="34" charset="0"/>
+                        </a:rPr>
+                        <a:t>10 to 20 %</a:t>
+                      </a:r>
+                    </a:p>
+                  </a:txBody>
+                  <a:tcPr marL="6350" marR="6350" marT="6350" marB="0" anchor="b">
+                    <a:lnL w="6350" cap="flat" cmpd="sng" algn="ctr">
+                      <a:solidFill>
+                        <a:srgbClr val="000000"/>
+                      </a:solidFill>
+                      <a:prstDash val="solid"/>
+                      <a:round/>
+                      <a:headEnd type="none" w="med" len="med"/>
+                      <a:tailEnd type="none" w="med" len="med"/>
+                    </a:lnL>
+                    <a:lnR w="6350" cap="flat" cmpd="sng" algn="ctr">
+                      <a:solidFill>
+                        <a:srgbClr val="000000"/>
+                      </a:solidFill>
+                      <a:prstDash val="solid"/>
+                      <a:round/>
+                      <a:headEnd type="none" w="med" len="med"/>
+                      <a:tailEnd type="none" w="med" len="med"/>
+                    </a:lnR>
+                    <a:lnT w="6350" cap="flat" cmpd="sng" algn="ctr">
+                      <a:solidFill>
+                        <a:srgbClr val="000000"/>
+                      </a:solidFill>
+                      <a:prstDash val="solid"/>
+                      <a:round/>
+                      <a:headEnd type="none" w="med" len="med"/>
+                      <a:tailEnd type="none" w="med" len="med"/>
+                    </a:lnT>
+                    <a:lnB w="6350" cap="flat" cmpd="sng" algn="ctr">
+                      <a:solidFill>
+                        <a:srgbClr val="000000"/>
+                      </a:solidFill>
+                      <a:prstDash val="solid"/>
+                      <a:round/>
+                      <a:headEnd type="none" w="med" len="med"/>
+                      <a:tailEnd type="none" w="med" len="med"/>
+                    </a:lnB>
+                  </a:tcPr>
+                </a:tc>
+                <a:tc>
+                  <a:txBody>
+                    <a:bodyPr/>
+                    <a:lstStyle/>
+                    <a:p>
+                      <a:pPr algn="ctr" fontAlgn="b"/>
+                      <a:r>
+                        <a:rPr lang="en-MY" sz="1100" b="0" i="0" u="none" strike="noStrike" dirty="0">
+                          <a:solidFill>
+                            <a:srgbClr val="000000"/>
+                          </a:solidFill>
+                          <a:effectLst/>
+                          <a:latin typeface="Calibri" panose="020F0502020204030204" pitchFamily="34" charset="0"/>
+                        </a:rPr>
+                        <a:t>80 to 90 %</a:t>
+                      </a:r>
+                    </a:p>
+                  </a:txBody>
+                  <a:tcPr marL="6350" marR="6350" marT="6350" marB="0" anchor="b">
+                    <a:lnL w="6350" cap="flat" cmpd="sng" algn="ctr">
+                      <a:solidFill>
+                        <a:srgbClr val="000000"/>
+                      </a:solidFill>
+                      <a:prstDash val="solid"/>
+                      <a:round/>
+                      <a:headEnd type="none" w="med" len="med"/>
+                      <a:tailEnd type="none" w="med" len="med"/>
+                    </a:lnL>
+                    <a:lnR w="6350" cap="flat" cmpd="sng" algn="ctr">
+                      <a:solidFill>
+                        <a:srgbClr val="000000"/>
+                      </a:solidFill>
+                      <a:prstDash val="solid"/>
+                      <a:round/>
+                      <a:headEnd type="none" w="med" len="med"/>
+                      <a:tailEnd type="none" w="med" len="med"/>
+                    </a:lnR>
+                    <a:lnT w="6350" cap="flat" cmpd="sng" algn="ctr">
+                      <a:solidFill>
+                        <a:srgbClr val="000000"/>
+                      </a:solidFill>
+                      <a:prstDash val="solid"/>
+                      <a:round/>
+                      <a:headEnd type="none" w="med" len="med"/>
+                      <a:tailEnd type="none" w="med" len="med"/>
+                    </a:lnT>
+                    <a:lnB w="6350" cap="flat" cmpd="sng" algn="ctr">
+                      <a:solidFill>
+                        <a:srgbClr val="000000"/>
+                      </a:solidFill>
+                      <a:prstDash val="solid"/>
+                      <a:round/>
+                      <a:headEnd type="none" w="med" len="med"/>
+                      <a:tailEnd type="none" w="med" len="med"/>
+                    </a:lnB>
+                  </a:tcPr>
+                </a:tc>
+                <a:extLst>
+                  <a:ext uri="{0D108BD9-81ED-4DB2-BD59-A6C34878D82A}">
+                    <a16:rowId xmlns:a16="http://schemas.microsoft.com/office/drawing/2014/main" val="3790209623"/>
+                  </a:ext>
+                </a:extLst>
+              </a:tr>
+            </a:tbl>
+          </a:graphicData>
+        </a:graphic>
+      </p:graphicFrame>
     </p:spTree>
     <p:extLst>
       <p:ext uri="{BB962C8B-B14F-4D97-AF65-F5344CB8AC3E}">
